--- a/Cierre/MonkeyConf2020 - Cierre.pptx
+++ b/Cierre/MonkeyConf2020 - Cierre.pptx
@@ -5,19 +5,20 @@
     <p:sldMasterId id="2147483672" r:id="rId1"/>
   </p:sldMasterIdLst>
   <p:notesMasterIdLst>
-    <p:notesMasterId r:id="rId9"/>
+    <p:notesMasterId r:id="rId10"/>
   </p:notesMasterIdLst>
   <p:handoutMasterIdLst>
-    <p:handoutMasterId r:id="rId10"/>
+    <p:handoutMasterId r:id="rId11"/>
   </p:handoutMasterIdLst>
   <p:sldIdLst>
     <p:sldId id="283" r:id="rId2"/>
     <p:sldId id="298" r:id="rId3"/>
     <p:sldId id="284" r:id="rId4"/>
     <p:sldId id="300" r:id="rId5"/>
-    <p:sldId id="301" r:id="rId6"/>
-    <p:sldId id="299" r:id="rId7"/>
-    <p:sldId id="280" r:id="rId8"/>
+    <p:sldId id="302" r:id="rId6"/>
+    <p:sldId id="301" r:id="rId7"/>
+    <p:sldId id="299" r:id="rId8"/>
+    <p:sldId id="280" r:id="rId9"/>
   </p:sldIdLst>
   <p:sldSz cx="24382413" cy="13716000"/>
   <p:notesSz cx="6858000" cy="9144000"/>
@@ -232,7 +233,7 @@
           <a:p>
             <a:fld id="{48721200-539F-1341-850E-0E51CA3393E5}" type="datetimeFigureOut">
               <a:rPr lang="es-ES" smtClean="0"/>
-              <a:t>22/11/20</a:t>
+              <a:t>28/11/20</a:t>
             </a:fld>
             <a:endParaRPr lang="es-ES"/>
           </a:p>
@@ -409,7 +410,7 @@
           <a:p>
             <a:fld id="{EC77AEC1-1928-414E-A654-B09E4EE0B039}" type="datetimeFigureOut">
               <a:rPr lang="es-ES" smtClean="0"/>
-              <a:t>22/11/20</a:t>
+              <a:t>28/11/20</a:t>
             </a:fld>
             <a:endParaRPr lang="es-ES"/>
           </a:p>
@@ -1021,7 +1022,7 @@
           <a:p>
             <a:fld id="{608335E2-14BF-F246-8200-622169DBE8EA}" type="datetimeFigureOut">
               <a:rPr lang="es-ES" smtClean="0"/>
-              <a:t>22/11/20</a:t>
+              <a:t>28/11/20</a:t>
             </a:fld>
             <a:endParaRPr lang="es-ES"/>
           </a:p>
@@ -1212,7 +1213,7 @@
           <a:p>
             <a:fld id="{608335E2-14BF-F246-8200-622169DBE8EA}" type="datetimeFigureOut">
               <a:rPr lang="es-ES" smtClean="0"/>
-              <a:t>22/11/20</a:t>
+              <a:t>28/11/20</a:t>
             </a:fld>
             <a:endParaRPr lang="es-ES"/>
           </a:p>
@@ -1337,7 +1338,7 @@
           <a:p>
             <a:fld id="{608335E2-14BF-F246-8200-622169DBE8EA}" type="datetimeFigureOut">
               <a:rPr lang="es-ES" smtClean="0"/>
-              <a:t>22/11/20</a:t>
+              <a:t>28/11/20</a:t>
             </a:fld>
             <a:endParaRPr lang="es-ES"/>
           </a:p>
@@ -1557,7 +1558,7 @@
           <a:p>
             <a:fld id="{608335E2-14BF-F246-8200-622169DBE8EA}" type="datetimeFigureOut">
               <a:rPr lang="es-ES" smtClean="0"/>
-              <a:t>22/11/20</a:t>
+              <a:t>28/11/20</a:t>
             </a:fld>
             <a:endParaRPr lang="es-ES"/>
           </a:p>
@@ -3505,7 +3506,7 @@
           <a:p>
             <a:fld id="{608335E2-14BF-F246-8200-622169DBE8EA}" type="datetimeFigureOut">
               <a:rPr lang="es-ES" smtClean="0"/>
-              <a:t>22/11/20</a:t>
+              <a:t>28/11/20</a:t>
             </a:fld>
             <a:endParaRPr lang="es-ES"/>
           </a:p>
@@ -3740,7 +3741,7 @@
           <a:p>
             <a:fld id="{608335E2-14BF-F246-8200-622169DBE8EA}" type="datetimeFigureOut">
               <a:rPr lang="es-ES" smtClean="0"/>
-              <a:t>22/11/20</a:t>
+              <a:t>28/11/20</a:t>
             </a:fld>
             <a:endParaRPr lang="es-ES"/>
           </a:p>
@@ -3941,7 +3942,7 @@
           <a:p>
             <a:fld id="{608335E2-14BF-F246-8200-622169DBE8EA}" type="datetimeFigureOut">
               <a:rPr lang="es-ES" smtClean="0"/>
-              <a:t>22/11/20</a:t>
+              <a:t>28/11/20</a:t>
             </a:fld>
             <a:endParaRPr lang="es-ES"/>
           </a:p>
@@ -4295,7 +4296,7 @@
           <a:p>
             <a:fld id="{608335E2-14BF-F246-8200-622169DBE8EA}" type="datetimeFigureOut">
               <a:rPr lang="es-ES" smtClean="0"/>
-              <a:t>22/11/20</a:t>
+              <a:t>28/11/20</a:t>
             </a:fld>
             <a:endParaRPr lang="es-ES"/>
           </a:p>
@@ -4576,7 +4577,7 @@
           <a:p>
             <a:fld id="{608335E2-14BF-F246-8200-622169DBE8EA}" type="datetimeFigureOut">
               <a:rPr lang="es-ES" smtClean="0"/>
-              <a:t>22/11/20</a:t>
+              <a:t>28/11/20</a:t>
             </a:fld>
             <a:endParaRPr lang="es-ES"/>
           </a:p>
@@ -4887,7 +4888,7 @@
           <a:p>
             <a:fld id="{608335E2-14BF-F246-8200-622169DBE8EA}" type="datetimeFigureOut">
               <a:rPr lang="es-ES" smtClean="0"/>
-              <a:t>22/11/20</a:t>
+              <a:t>28/11/20</a:t>
             </a:fld>
             <a:endParaRPr lang="es-ES"/>
           </a:p>
@@ -5133,7 +5134,7 @@
           <a:p>
             <a:fld id="{608335E2-14BF-F246-8200-622169DBE8EA}" type="datetimeFigureOut">
               <a:rPr lang="es-ES" smtClean="0"/>
-              <a:t>22/11/20</a:t>
+              <a:t>28/11/20</a:t>
             </a:fld>
             <a:endParaRPr lang="es-ES"/>
           </a:p>
@@ -6146,7 +6147,7 @@
         <p:spPr>
           <a:xfrm>
             <a:off x="2916002" y="11087825"/>
-            <a:ext cx="8530925" cy="923330"/>
+            <a:ext cx="8530925" cy="1754326"/>
           </a:xfrm>
           <a:prstGeom prst="rect">
             <a:avLst/>
@@ -6170,6 +6171,91 @@
             <a:r>
               <a:rPr lang="es-ES" sz="5400" dirty="0"/>
               <a:t>!</a:t>
+            </a:r>
+          </a:p>
+          <a:p>
+            <a:r>
+              <a:rPr lang="es-ES" sz="5400" dirty="0" err="1"/>
+              <a:t>Thanks</a:t>
+            </a:r>
+            <a:r>
+              <a:rPr lang="es-ES" sz="5400" dirty="0"/>
+              <a:t> to </a:t>
+            </a:r>
+            <a:r>
+              <a:rPr lang="es-ES" sz="5400" dirty="0" err="1"/>
+              <a:t>all</a:t>
+            </a:r>
+            <a:r>
+              <a:rPr lang="es-ES" sz="5400" dirty="0"/>
+              <a:t> </a:t>
+            </a:r>
+            <a:r>
+              <a:rPr lang="es-ES" sz="5400" dirty="0" err="1"/>
+              <a:t>the</a:t>
+            </a:r>
+            <a:r>
+              <a:rPr lang="es-ES" sz="5400" dirty="0"/>
+              <a:t> </a:t>
+            </a:r>
+            <a:r>
+              <a:rPr lang="es-ES" sz="5400" dirty="0" err="1"/>
+              <a:t>Speakers</a:t>
+            </a:r>
+            <a:r>
+              <a:rPr lang="es-ES" sz="5400" dirty="0"/>
+              <a:t>!</a:t>
+            </a:r>
+          </a:p>
+        </p:txBody>
+      </p:sp>
+      <p:sp>
+        <p:nvSpPr>
+          <p:cNvPr id="2" name="CuadroTexto 1">
+            <a:extLst>
+              <a:ext uri="{FF2B5EF4-FFF2-40B4-BE49-F238E27FC236}">
+                <a16:creationId xmlns:a16="http://schemas.microsoft.com/office/drawing/2014/main" id="{9DB2336A-3FE0-9045-8CC1-F27B93E99C8D}"/>
+              </a:ext>
+            </a:extLst>
+          </p:cNvPr>
+          <p:cNvSpPr txBox="1"/>
+          <p:nvPr/>
+        </p:nvSpPr>
+        <p:spPr>
+          <a:xfrm>
+            <a:off x="17265598" y="11376149"/>
+            <a:ext cx="6126998" cy="923330"/>
+          </a:xfrm>
+          <a:prstGeom prst="rect">
+            <a:avLst/>
+          </a:prstGeom>
+          <a:noFill/>
+        </p:spPr>
+        <p:txBody>
+          <a:bodyPr wrap="none" rtlCol="0">
+            <a:spAutoFit/>
+          </a:bodyPr>
+          <a:lstStyle/>
+          <a:p>
+            <a:r>
+              <a:rPr lang="es-ES" sz="5400" dirty="0"/>
+              <a:t>Amazon </a:t>
+            </a:r>
+            <a:r>
+              <a:rPr lang="es-ES" sz="5400" dirty="0" err="1"/>
+              <a:t>gift</a:t>
+            </a:r>
+            <a:r>
+              <a:rPr lang="es-ES" sz="5400" dirty="0"/>
+              <a:t> </a:t>
+            </a:r>
+            <a:r>
+              <a:rPr lang="es-ES" sz="5400" dirty="0" err="1"/>
+              <a:t>card</a:t>
+            </a:r>
+            <a:r>
+              <a:rPr lang="es-ES" sz="5400" dirty="0"/>
+              <a:t> 25€</a:t>
             </a:r>
           </a:p>
         </p:txBody>
@@ -6184,10 +6270,520 @@
   <p:clrMapOvr>
     <a:masterClrMapping/>
   </p:clrMapOvr>
+  <p:timing>
+    <p:tnLst>
+      <p:par>
+        <p:cTn id="1" dur="indefinite" restart="never" nodeType="tmRoot">
+          <p:childTnLst>
+            <p:seq concurrent="1" nextAc="seek">
+              <p:cTn id="2" dur="indefinite" nodeType="mainSeq">
+                <p:childTnLst>
+                  <p:par>
+                    <p:cTn id="3" fill="hold">
+                      <p:stCondLst>
+                        <p:cond delay="indefinite"/>
+                      </p:stCondLst>
+                      <p:childTnLst>
+                        <p:par>
+                          <p:cTn id="4" fill="hold">
+                            <p:stCondLst>
+                              <p:cond delay="0"/>
+                            </p:stCondLst>
+                            <p:childTnLst>
+                              <p:par>
+                                <p:cTn id="5" presetID="26" presetClass="entr" presetSubtype="0" fill="hold" grpId="0" nodeType="clickEffect">
+                                  <p:stCondLst>
+                                    <p:cond delay="0"/>
+                                  </p:stCondLst>
+                                  <p:childTnLst>
+                                    <p:set>
+                                      <p:cBhvr>
+                                        <p:cTn id="6" dur="1" fill="hold">
+                                          <p:stCondLst>
+                                            <p:cond delay="0"/>
+                                          </p:stCondLst>
+                                        </p:cTn>
+                                        <p:tgtEl>
+                                          <p:spTgt spid="2"/>
+                                        </p:tgtEl>
+                                        <p:attrNameLst>
+                                          <p:attrName>style.visibility</p:attrName>
+                                        </p:attrNameLst>
+                                      </p:cBhvr>
+                                      <p:to>
+                                        <p:strVal val="visible"/>
+                                      </p:to>
+                                    </p:set>
+                                    <p:animEffect transition="in" filter="wipe(down)">
+                                      <p:cBhvr>
+                                        <p:cTn id="7" dur="580">
+                                          <p:stCondLst>
+                                            <p:cond delay="0"/>
+                                          </p:stCondLst>
+                                        </p:cTn>
+                                        <p:tgtEl>
+                                          <p:spTgt spid="2"/>
+                                        </p:tgtEl>
+                                      </p:cBhvr>
+                                    </p:animEffect>
+                                    <p:anim calcmode="lin" valueType="num">
+                                      <p:cBhvr>
+                                        <p:cTn id="8" dur="1822" tmFilter="0,0; 0.14,0.36; 0.43,0.73; 0.71,0.91; 1.0,1.0">
+                                          <p:stCondLst>
+                                            <p:cond delay="0"/>
+                                          </p:stCondLst>
+                                        </p:cTn>
+                                        <p:tgtEl>
+                                          <p:spTgt spid="2"/>
+                                        </p:tgtEl>
+                                        <p:attrNameLst>
+                                          <p:attrName>ppt_x</p:attrName>
+                                        </p:attrNameLst>
+                                      </p:cBhvr>
+                                      <p:tavLst>
+                                        <p:tav tm="0">
+                                          <p:val>
+                                            <p:strVal val="#ppt_x-0.25"/>
+                                          </p:val>
+                                        </p:tav>
+                                        <p:tav tm="100000">
+                                          <p:val>
+                                            <p:strVal val="#ppt_x"/>
+                                          </p:val>
+                                        </p:tav>
+                                      </p:tavLst>
+                                    </p:anim>
+                                    <p:anim calcmode="lin" valueType="num">
+                                      <p:cBhvr>
+                                        <p:cTn id="9" dur="664" tmFilter="0.0,0.0; 0.25,0.07; 0.50,0.2; 0.75,0.467; 1.0,1.0">
+                                          <p:stCondLst>
+                                            <p:cond delay="0"/>
+                                          </p:stCondLst>
+                                        </p:cTn>
+                                        <p:tgtEl>
+                                          <p:spTgt spid="2"/>
+                                        </p:tgtEl>
+                                        <p:attrNameLst>
+                                          <p:attrName>ppt_y</p:attrName>
+                                        </p:attrNameLst>
+                                      </p:cBhvr>
+                                      <p:tavLst>
+                                        <p:tav tm="0" fmla="#ppt_y-sin(pi*$)/3">
+                                          <p:val>
+                                            <p:fltVal val="0.5"/>
+                                          </p:val>
+                                        </p:tav>
+                                        <p:tav tm="100000">
+                                          <p:val>
+                                            <p:fltVal val="1"/>
+                                          </p:val>
+                                        </p:tav>
+                                      </p:tavLst>
+                                    </p:anim>
+                                    <p:anim calcmode="lin" valueType="num">
+                                      <p:cBhvr>
+                                        <p:cTn id="10" dur="664" tmFilter="0, 0; 0.125,0.2665; 0.25,0.4; 0.375,0.465; 0.5,0.5;  0.625,0.535; 0.75,0.6; 0.875,0.7335; 1,1">
+                                          <p:stCondLst>
+                                            <p:cond delay="664"/>
+                                          </p:stCondLst>
+                                        </p:cTn>
+                                        <p:tgtEl>
+                                          <p:spTgt spid="2"/>
+                                        </p:tgtEl>
+                                        <p:attrNameLst>
+                                          <p:attrName>ppt_y</p:attrName>
+                                        </p:attrNameLst>
+                                      </p:cBhvr>
+                                      <p:tavLst>
+                                        <p:tav tm="0" fmla="#ppt_y-sin(pi*$)/9">
+                                          <p:val>
+                                            <p:fltVal val="0"/>
+                                          </p:val>
+                                        </p:tav>
+                                        <p:tav tm="100000">
+                                          <p:val>
+                                            <p:fltVal val="1"/>
+                                          </p:val>
+                                        </p:tav>
+                                      </p:tavLst>
+                                    </p:anim>
+                                    <p:anim calcmode="lin" valueType="num">
+                                      <p:cBhvr>
+                                        <p:cTn id="11" dur="332" tmFilter="0, 0; 0.125,0.2665; 0.25,0.4; 0.375,0.465; 0.5,0.5;  0.625,0.535; 0.75,0.6; 0.875,0.7335; 1,1">
+                                          <p:stCondLst>
+                                            <p:cond delay="1324"/>
+                                          </p:stCondLst>
+                                        </p:cTn>
+                                        <p:tgtEl>
+                                          <p:spTgt spid="2"/>
+                                        </p:tgtEl>
+                                        <p:attrNameLst>
+                                          <p:attrName>ppt_y</p:attrName>
+                                        </p:attrNameLst>
+                                      </p:cBhvr>
+                                      <p:tavLst>
+                                        <p:tav tm="0" fmla="#ppt_y-sin(pi*$)/27">
+                                          <p:val>
+                                            <p:fltVal val="0"/>
+                                          </p:val>
+                                        </p:tav>
+                                        <p:tav tm="100000">
+                                          <p:val>
+                                            <p:fltVal val="1"/>
+                                          </p:val>
+                                        </p:tav>
+                                      </p:tavLst>
+                                    </p:anim>
+                                    <p:anim calcmode="lin" valueType="num">
+                                      <p:cBhvr>
+                                        <p:cTn id="12" dur="164" tmFilter="0, 0; 0.125,0.2665; 0.25,0.4; 0.375,0.465; 0.5,0.5;  0.625,0.535; 0.75,0.6; 0.875,0.7335; 1,1">
+                                          <p:stCondLst>
+                                            <p:cond delay="1656"/>
+                                          </p:stCondLst>
+                                        </p:cTn>
+                                        <p:tgtEl>
+                                          <p:spTgt spid="2"/>
+                                        </p:tgtEl>
+                                        <p:attrNameLst>
+                                          <p:attrName>ppt_y</p:attrName>
+                                        </p:attrNameLst>
+                                      </p:cBhvr>
+                                      <p:tavLst>
+                                        <p:tav tm="0" fmla="#ppt_y-sin(pi*$)/81">
+                                          <p:val>
+                                            <p:fltVal val="0"/>
+                                          </p:val>
+                                        </p:tav>
+                                        <p:tav tm="100000">
+                                          <p:val>
+                                            <p:fltVal val="1"/>
+                                          </p:val>
+                                        </p:tav>
+                                      </p:tavLst>
+                                    </p:anim>
+                                    <p:animScale>
+                                      <p:cBhvr>
+                                        <p:cTn id="13" dur="26">
+                                          <p:stCondLst>
+                                            <p:cond delay="650"/>
+                                          </p:stCondLst>
+                                        </p:cTn>
+                                        <p:tgtEl>
+                                          <p:spTgt spid="2"/>
+                                        </p:tgtEl>
+                                      </p:cBhvr>
+                                      <p:to x="100000" y="60000"/>
+                                    </p:animScale>
+                                    <p:animScale>
+                                      <p:cBhvr>
+                                        <p:cTn id="14" dur="166" decel="50000">
+                                          <p:stCondLst>
+                                            <p:cond delay="676"/>
+                                          </p:stCondLst>
+                                        </p:cTn>
+                                        <p:tgtEl>
+                                          <p:spTgt spid="2"/>
+                                        </p:tgtEl>
+                                      </p:cBhvr>
+                                      <p:to x="100000" y="100000"/>
+                                    </p:animScale>
+                                    <p:animScale>
+                                      <p:cBhvr>
+                                        <p:cTn id="15" dur="26">
+                                          <p:stCondLst>
+                                            <p:cond delay="1312"/>
+                                          </p:stCondLst>
+                                        </p:cTn>
+                                        <p:tgtEl>
+                                          <p:spTgt spid="2"/>
+                                        </p:tgtEl>
+                                      </p:cBhvr>
+                                      <p:to x="100000" y="80000"/>
+                                    </p:animScale>
+                                    <p:animScale>
+                                      <p:cBhvr>
+                                        <p:cTn id="16" dur="166" decel="50000">
+                                          <p:stCondLst>
+                                            <p:cond delay="1338"/>
+                                          </p:stCondLst>
+                                        </p:cTn>
+                                        <p:tgtEl>
+                                          <p:spTgt spid="2"/>
+                                        </p:tgtEl>
+                                      </p:cBhvr>
+                                      <p:to x="100000" y="100000"/>
+                                    </p:animScale>
+                                    <p:animScale>
+                                      <p:cBhvr>
+                                        <p:cTn id="17" dur="26">
+                                          <p:stCondLst>
+                                            <p:cond delay="1642"/>
+                                          </p:stCondLst>
+                                        </p:cTn>
+                                        <p:tgtEl>
+                                          <p:spTgt spid="2"/>
+                                        </p:tgtEl>
+                                      </p:cBhvr>
+                                      <p:to x="100000" y="90000"/>
+                                    </p:animScale>
+                                    <p:animScale>
+                                      <p:cBhvr>
+                                        <p:cTn id="18" dur="166" decel="50000">
+                                          <p:stCondLst>
+                                            <p:cond delay="1668"/>
+                                          </p:stCondLst>
+                                        </p:cTn>
+                                        <p:tgtEl>
+                                          <p:spTgt spid="2"/>
+                                        </p:tgtEl>
+                                      </p:cBhvr>
+                                      <p:to x="100000" y="100000"/>
+                                    </p:animScale>
+                                    <p:animScale>
+                                      <p:cBhvr>
+                                        <p:cTn id="19" dur="26">
+                                          <p:stCondLst>
+                                            <p:cond delay="1808"/>
+                                          </p:stCondLst>
+                                        </p:cTn>
+                                        <p:tgtEl>
+                                          <p:spTgt spid="2"/>
+                                        </p:tgtEl>
+                                      </p:cBhvr>
+                                      <p:to x="100000" y="95000"/>
+                                    </p:animScale>
+                                    <p:animScale>
+                                      <p:cBhvr>
+                                        <p:cTn id="20" dur="166" decel="50000">
+                                          <p:stCondLst>
+                                            <p:cond delay="1834"/>
+                                          </p:stCondLst>
+                                        </p:cTn>
+                                        <p:tgtEl>
+                                          <p:spTgt spid="2"/>
+                                        </p:tgtEl>
+                                      </p:cBhvr>
+                                      <p:to x="100000" y="100000"/>
+                                    </p:animScale>
+                                  </p:childTnLst>
+                                </p:cTn>
+                              </p:par>
+                            </p:childTnLst>
+                          </p:cTn>
+                        </p:par>
+                      </p:childTnLst>
+                    </p:cTn>
+                  </p:par>
+                </p:childTnLst>
+              </p:cTn>
+              <p:prevCondLst>
+                <p:cond evt="onPrev" delay="0">
+                  <p:tgtEl>
+                    <p:sldTgt/>
+                  </p:tgtEl>
+                </p:cond>
+              </p:prevCondLst>
+              <p:nextCondLst>
+                <p:cond evt="onNext" delay="0">
+                  <p:tgtEl>
+                    <p:sldTgt/>
+                  </p:tgtEl>
+                </p:cond>
+              </p:nextCondLst>
+            </p:seq>
+          </p:childTnLst>
+        </p:cTn>
+      </p:par>
+    </p:tnLst>
+    <p:bldLst>
+      <p:bldP spid="2" grpId="0"/>
+    </p:bldLst>
+  </p:timing>
 </p:sld>
 </file>
 
 <file path=ppt/slides/slide5.xml><?xml version="1.0" encoding="utf-8"?>
+<p:sld xmlns:a="http://schemas.openxmlformats.org/drawingml/2006/main" xmlns:r="http://schemas.openxmlformats.org/officeDocument/2006/relationships" xmlns:p="http://schemas.openxmlformats.org/presentationml/2006/main">
+  <p:cSld>
+    <p:spTree>
+      <p:nvGrpSpPr>
+        <p:cNvPr id="1" name=""/>
+        <p:cNvGrpSpPr/>
+        <p:nvPr/>
+      </p:nvGrpSpPr>
+      <p:grpSpPr>
+        <a:xfrm>
+          <a:off x="0" y="0"/>
+          <a:ext cx="0" cy="0"/>
+          <a:chOff x="0" y="0"/>
+          <a:chExt cx="0" cy="0"/>
+        </a:xfrm>
+      </p:grpSpPr>
+      <p:pic>
+        <p:nvPicPr>
+          <p:cNvPr id="13" name="Imagen 12" descr="Imagen que contiene hombre, edificio, persona, piedra&#10;&#10;Descripción generada automáticamente">
+            <a:extLst>
+              <a:ext uri="{FF2B5EF4-FFF2-40B4-BE49-F238E27FC236}">
+                <a16:creationId xmlns:a16="http://schemas.microsoft.com/office/drawing/2014/main" id="{9A0B3135-68D9-304C-9EF4-6157CFF92839}"/>
+              </a:ext>
+            </a:extLst>
+          </p:cNvPr>
+          <p:cNvPicPr>
+            <a:picLocks noChangeAspect="1"/>
+          </p:cNvPicPr>
+          <p:nvPr/>
+        </p:nvPicPr>
+        <p:blipFill>
+          <a:blip r:embed="rId2">
+            <a:extLst>
+              <a:ext uri="{28A0092B-C50C-407E-A947-70E740481C1C}">
+                <a14:useLocalDpi xmlns:a14="http://schemas.microsoft.com/office/drawing/2010/main" val="0"/>
+              </a:ext>
+            </a:extLst>
+          </a:blip>
+          <a:stretch>
+            <a:fillRect/>
+          </a:stretch>
+        </p:blipFill>
+        <p:spPr>
+          <a:xfrm>
+            <a:off x="5463684" y="4333032"/>
+            <a:ext cx="4406578" cy="4406578"/>
+          </a:xfrm>
+          <a:prstGeom prst="rect">
+            <a:avLst/>
+          </a:prstGeom>
+        </p:spPr>
+      </p:pic>
+      <p:pic>
+        <p:nvPicPr>
+          <p:cNvPr id="15" name="Imagen 14" descr="Imagen que contiene taza&#10;&#10;Descripción generada automáticamente">
+            <a:extLst>
+              <a:ext uri="{FF2B5EF4-FFF2-40B4-BE49-F238E27FC236}">
+                <a16:creationId xmlns:a16="http://schemas.microsoft.com/office/drawing/2014/main" id="{E91C7136-5472-2947-BE76-73B4443630DE}"/>
+              </a:ext>
+            </a:extLst>
+          </p:cNvPr>
+          <p:cNvPicPr>
+            <a:picLocks noChangeAspect="1"/>
+          </p:cNvPicPr>
+          <p:nvPr/>
+        </p:nvPicPr>
+        <p:blipFill>
+          <a:blip r:embed="rId3">
+            <a:extLst>
+              <a:ext uri="{28A0092B-C50C-407E-A947-70E740481C1C}">
+                <a14:useLocalDpi xmlns:a14="http://schemas.microsoft.com/office/drawing/2010/main" val="0"/>
+              </a:ext>
+            </a:extLst>
+          </a:blip>
+          <a:stretch>
+            <a:fillRect/>
+          </a:stretch>
+        </p:blipFill>
+        <p:spPr>
+          <a:xfrm>
+            <a:off x="10129754" y="4333033"/>
+            <a:ext cx="4406578" cy="4406578"/>
+          </a:xfrm>
+          <a:prstGeom prst="rect">
+            <a:avLst/>
+          </a:prstGeom>
+        </p:spPr>
+      </p:pic>
+      <p:sp>
+        <p:nvSpPr>
+          <p:cNvPr id="30" name="CuadroTexto 29">
+            <a:extLst>
+              <a:ext uri="{FF2B5EF4-FFF2-40B4-BE49-F238E27FC236}">
+                <a16:creationId xmlns:a16="http://schemas.microsoft.com/office/drawing/2014/main" id="{631AA1BE-9118-454A-8D23-2CF63DD84E52}"/>
+              </a:ext>
+            </a:extLst>
+          </p:cNvPr>
+          <p:cNvSpPr txBox="1"/>
+          <p:nvPr/>
+        </p:nvSpPr>
+        <p:spPr>
+          <a:xfrm>
+            <a:off x="7203796" y="10259922"/>
+            <a:ext cx="11428898" cy="923330"/>
+          </a:xfrm>
+          <a:prstGeom prst="rect">
+            <a:avLst/>
+          </a:prstGeom>
+          <a:noFill/>
+        </p:spPr>
+        <p:txBody>
+          <a:bodyPr wrap="none" rtlCol="0">
+            <a:spAutoFit/>
+          </a:bodyPr>
+          <a:lstStyle/>
+          <a:p>
+            <a:r>
+              <a:rPr lang="es-ES" sz="5400" dirty="0"/>
+              <a:t>¡Gracias por ayudar con la </a:t>
+            </a:r>
+            <a:r>
+              <a:rPr lang="es-ES" sz="5400" dirty="0" err="1"/>
+              <a:t>organizacion</a:t>
+            </a:r>
+            <a:r>
+              <a:rPr lang="es-ES" sz="5400" dirty="0"/>
+              <a:t>!</a:t>
+            </a:r>
+          </a:p>
+        </p:txBody>
+      </p:sp>
+      <p:pic>
+        <p:nvPicPr>
+          <p:cNvPr id="4" name="Imagen 3" descr="Un hombre con lentes y corbata&#10;&#10;Descripción generada automáticamente">
+            <a:extLst>
+              <a:ext uri="{FF2B5EF4-FFF2-40B4-BE49-F238E27FC236}">
+                <a16:creationId xmlns:a16="http://schemas.microsoft.com/office/drawing/2014/main" id="{53318458-BE68-E544-970A-F7AE6C856470}"/>
+              </a:ext>
+            </a:extLst>
+          </p:cNvPr>
+          <p:cNvPicPr>
+            <a:picLocks noChangeAspect="1"/>
+          </p:cNvPicPr>
+          <p:nvPr/>
+        </p:nvPicPr>
+        <p:blipFill>
+          <a:blip r:embed="rId4">
+            <a:extLst>
+              <a:ext uri="{28A0092B-C50C-407E-A947-70E740481C1C}">
+                <a14:useLocalDpi xmlns:a14="http://schemas.microsoft.com/office/drawing/2010/main" val="0"/>
+              </a:ext>
+            </a:extLst>
+          </a:blip>
+          <a:stretch>
+            <a:fillRect/>
+          </a:stretch>
+        </p:blipFill>
+        <p:spPr>
+          <a:xfrm>
+            <a:off x="14771110" y="4333032"/>
+            <a:ext cx="4406577" cy="4406577"/>
+          </a:xfrm>
+          <a:prstGeom prst="rect">
+            <a:avLst/>
+          </a:prstGeom>
+        </p:spPr>
+      </p:pic>
+    </p:spTree>
+    <p:extLst>
+      <p:ext uri="{BB962C8B-B14F-4D97-AF65-F5344CB8AC3E}">
+        <p14:creationId xmlns:p14="http://schemas.microsoft.com/office/powerpoint/2010/main" val="3776905741"/>
+      </p:ext>
+    </p:extLst>
+  </p:cSld>
+  <p:clrMapOvr>
+    <a:masterClrMapping/>
+  </p:clrMapOvr>
+</p:sld>
+</file>
+
+<file path=ppt/slides/slide6.xml><?xml version="1.0" encoding="utf-8"?>
 <p:sld xmlns:a="http://schemas.openxmlformats.org/drawingml/2006/main" xmlns:r="http://schemas.openxmlformats.org/officeDocument/2006/relationships" xmlns:p="http://schemas.openxmlformats.org/presentationml/2006/main">
   <p:cSld>
     <p:bg>
@@ -6258,7 +6854,7 @@
 </p:sld>
 </file>
 
-<file path=ppt/slides/slide6.xml><?xml version="1.0" encoding="utf-8"?>
+<file path=ppt/slides/slide7.xml><?xml version="1.0" encoding="utf-8"?>
 <p:sld xmlns:a="http://schemas.openxmlformats.org/drawingml/2006/main" xmlns:r="http://schemas.openxmlformats.org/officeDocument/2006/relationships" xmlns:p="http://schemas.openxmlformats.org/presentationml/2006/main">
   <p:cSld>
     <p:bg>
@@ -6295,8 +6891,8 @@
         </p:nvSpPr>
         <p:spPr>
           <a:xfrm>
-            <a:off x="831145" y="5510126"/>
-            <a:ext cx="22720121" cy="2695747"/>
+            <a:off x="831145" y="4145198"/>
+            <a:ext cx="22720121" cy="5425604"/>
           </a:xfrm>
         </p:spPr>
         <p:txBody>
@@ -6345,6 +6941,89 @@
               </a:rPr>
               <a:t> 2021!</a:t>
             </a:r>
+            <a:br>
+              <a:rPr lang="es-ES" sz="13200" dirty="0">
+                <a:solidFill>
+                  <a:schemeClr val="bg1"/>
+                </a:solidFill>
+              </a:rPr>
+            </a:br>
+            <a:br>
+              <a:rPr lang="es-ES" sz="13200" dirty="0">
+                <a:solidFill>
+                  <a:schemeClr val="bg1"/>
+                </a:solidFill>
+              </a:rPr>
+            </a:br>
+            <a:r>
+              <a:rPr lang="es-ES" sz="11000" dirty="0" err="1">
+                <a:solidFill>
+                  <a:schemeClr val="bg1"/>
+                </a:solidFill>
+              </a:rPr>
+              <a:t>See</a:t>
+            </a:r>
+            <a:r>
+              <a:rPr lang="es-ES" sz="11000" dirty="0">
+                <a:solidFill>
+                  <a:schemeClr val="bg1"/>
+                </a:solidFill>
+              </a:rPr>
+              <a:t> </a:t>
+            </a:r>
+            <a:r>
+              <a:rPr lang="es-ES" sz="11000" dirty="0" err="1">
+                <a:solidFill>
+                  <a:schemeClr val="bg1"/>
+                </a:solidFill>
+              </a:rPr>
+              <a:t>you</a:t>
+            </a:r>
+            <a:r>
+              <a:rPr lang="es-ES" sz="11000" dirty="0">
+                <a:solidFill>
+                  <a:schemeClr val="bg1"/>
+                </a:solidFill>
+              </a:rPr>
+              <a:t> at </a:t>
+            </a:r>
+            <a:r>
+              <a:rPr lang="es-ES" sz="11000" dirty="0" err="1">
+                <a:solidFill>
+                  <a:schemeClr val="bg1"/>
+                </a:solidFill>
+              </a:rPr>
+              <a:t>Monkey</a:t>
+            </a:r>
+            <a:r>
+              <a:rPr lang="es-ES" sz="11000" dirty="0">
+                <a:solidFill>
+                  <a:schemeClr val="bg1"/>
+                </a:solidFill>
+              </a:rPr>
+              <a:t> </a:t>
+            </a:r>
+            <a:r>
+              <a:rPr lang="es-ES" sz="11000" dirty="0" err="1">
+                <a:solidFill>
+                  <a:schemeClr val="bg1"/>
+                </a:solidFill>
+              </a:rPr>
+              <a:t>Conf</a:t>
+            </a:r>
+            <a:r>
+              <a:rPr lang="es-ES" sz="11000" dirty="0">
+                <a:solidFill>
+                  <a:schemeClr val="bg1"/>
+                </a:solidFill>
+              </a:rPr>
+              <a:t> 2021!</a:t>
+            </a:r>
+            <a:endParaRPr lang="es-ES" sz="13200" dirty="0">
+              <a:solidFill>
+                <a:schemeClr val="bg1"/>
+              </a:solidFill>
+            </a:endParaRPr>
           </a:p>
         </p:txBody>
       </p:sp>
@@ -6361,7 +7040,7 @@
 </p:sld>
 </file>
 
-<file path=ppt/slides/slide7.xml><?xml version="1.0" encoding="utf-8"?>
+<file path=ppt/slides/slide8.xml><?xml version="1.0" encoding="utf-8"?>
 <p:sld xmlns:a="http://schemas.openxmlformats.org/drawingml/2006/main" xmlns:r="http://schemas.openxmlformats.org/officeDocument/2006/relationships" xmlns:p="http://schemas.openxmlformats.org/presentationml/2006/main">
   <p:cSld>
     <p:bg>
